--- a/slides/Dantoni-Opsgility-MSFabric-Module11.pptx
+++ b/slides/Dantoni-Opsgility-MSFabric-Module11.pptx
@@ -254,7 +254,7 @@
           <a:p>
             <a:fld id="{0D354273-E04F-4A6B-AB46-301CAB090479}" type="datetimeFigureOut">
               <a:rPr lang="en-US" smtClean="0"/>
-              <a:t>9/25/2023</a:t>
+              <a:t>11/21/2023</a:t>
             </a:fld>
             <a:endParaRPr lang="en-US"/>
           </a:p>
@@ -651,7 +651,7 @@
           <a:p>
             <a:r>
               <a:rPr lang="en-US" dirty="0"/>
-              <a:t>In general, you can create datasets using Power BI Desktop or the web. The web is the newer and more limited experience, but it is also the only way to create Direct Lake datasets. </a:t>
+              <a:t>In general, you can create semantic models using Power BI Desktop or the web. The web is the newer and more limited experience, but it is also the only way to create Direct Lake semantic models. </a:t>
             </a:r>
           </a:p>
           <a:p>
@@ -660,7 +660,7 @@
           <a:p>
             <a:r>
               <a:rPr lang="en-US" dirty="0"/>
-              <a:t>When you aren’t working in Direct Lake, you can choose a mode for each table, depending on the source. When you have an imported dataset, you can use Power Query to get and transform data. Then you can use DAX to create calculated tables and columns. </a:t>
+              <a:t>When you aren’t working in Direct Lake, you can choose a mode for each table, depending on the source. When you have an imported semantic model, you can use Power Query to get and transform data. Then you can use DAX to create calculated tables and columns. </a:t>
             </a:r>
           </a:p>
           <a:p>
@@ -678,7 +678,7 @@
           <a:p>
             <a:r>
               <a:rPr lang="en-US" dirty="0"/>
-              <a:t>Once you have created and published your dataset, you can use it to create reports. </a:t>
+              <a:t>Once you have created and published your semantic model, you can use it to create reports. </a:t>
             </a:r>
           </a:p>
         </p:txBody>
@@ -855,7 +855,7 @@
                 <a:effectLst/>
                 <a:latin typeface="Segoe UI" panose="020B0502040204020203" pitchFamily="34" charset="0"/>
               </a:rPr>
-              <a:t>A Power BI report is a multi-perspective view into a dataset, with visuals that represent findings and insights from that dataset. A report can have a single visual or many pages full of visuals. </a:t>
+              <a:t>A Power BI report is a multi-perspective view into a semantic model, with visuals that represent findings and insights from that semantic model. A report can have a single visual or many pages full of visuals. </a:t>
             </a:r>
           </a:p>
           <a:p>
@@ -918,7 +918,7 @@
                 <a:effectLst/>
                 <a:latin typeface="Segoe UI" panose="020B0502040204020203" pitchFamily="34" charset="0"/>
               </a:rPr>
-              <a:t>When the dataset updates, the report shows the updated data. </a:t>
+              <a:t>When the semantic model updates, the report shows the updated data. </a:t>
             </a:r>
           </a:p>
           <a:p>
@@ -1027,7 +1027,7 @@
           <a:p>
             <a:r>
               <a:rPr lang="en-US" dirty="0"/>
-              <a:t>When creating a Power BI report, you can decide whether to create a new dataset as the source for the report or to use an existing dataset. </a:t>
+              <a:t>When creating a Power BI report, you can decide whether to create a new semantic model as the source for the report or to use an existing semantic model. </a:t>
             </a:r>
           </a:p>
           <a:p>
@@ -1036,7 +1036,7 @@
           <a:p>
             <a:r>
               <a:rPr lang="en-US" dirty="0"/>
-              <a:t>You can publish the dataset first, and then connect to it to create a report. You can create multiple reports using the same dataset - this makes it a “shared dataset”.  Having shared datasets reduces the need to duplicate logic across multiple datasets. The dataset you use for a report does not have to exist in the same workspace as the report. </a:t>
+              <a:t>You can publish the semantic model first, and then connect to it to create a report. You can create multiple reports using the same semantic model - this makes it a “shared semantic model”.  Having shared semantic models reduces the need to duplicate logic across multiple semantic models. The semantic model you use for a report does not have to exist in the same workspace as the report. </a:t>
             </a:r>
           </a:p>
           <a:p>
@@ -1132,7 +1132,7 @@
           <a:p>
             <a:r>
               <a:rPr lang="en-US" dirty="0"/>
-              <a:t>There are multiple ways that a use could gain access to a report or dataset. </a:t>
+              <a:t>There are multiple ways that a use could gain access to a report or semantic model. </a:t>
             </a:r>
           </a:p>
           <a:p>
@@ -1150,7 +1150,7 @@
           <a:p>
             <a:r>
               <a:rPr lang="en-US" dirty="0"/>
-              <a:t>Or they could not be a member of a workspace role but have direct access to a particular dataset. </a:t>
+              <a:t>Or they could not be a member of a workspace role but have direct access to a particular semantic model. </a:t>
             </a:r>
           </a:p>
           <a:p>
@@ -1159,7 +1159,7 @@
           <a:p>
             <a:r>
               <a:rPr lang="en-US" dirty="0"/>
-              <a:t>Within the dataset, you can secure data so that users only see their own data by using row-level security. </a:t>
+              <a:t>Within the semantic model, you can secure data so that users only see their own data by using row-level security. </a:t>
             </a:r>
             <a:r>
               <a:rPr lang="en-US" b="0" i="0" dirty="0">
@@ -1190,7 +1190,7 @@
                 <a:effectLst/>
                 <a:latin typeface="Segoe UI" panose="020B0502040204020203" pitchFamily="34" charset="0"/>
               </a:rPr>
-              <a:t>Be aware that in the Power BI service, users with access to a workspace have access to datasets in that workspace. RLS only restricts data access for users with </a:t>
+              <a:t>Be aware that in the Power BI service, users with access to a workspace have access to semantic models in that workspace. RLS only restricts data access for users with </a:t>
             </a:r>
             <a:r>
               <a:rPr lang="en-US" b="1" i="0" dirty="0">
@@ -1273,7 +1273,7 @@
                 <a:effectLst/>
                 <a:latin typeface="Segoe UI" panose="020B0502040204020203" pitchFamily="34" charset="0"/>
               </a:rPr>
-              <a:t> datasets, use </a:t>
+              <a:t> semantic models, use </a:t>
             </a:r>
             <a:r>
               <a:rPr lang="en-US" b="0" i="0" u="none" strike="noStrike" dirty="0">
@@ -1405,7 +1405,7 @@
           <a:p>
             <a:r>
               <a:rPr lang="en-US" dirty="0"/>
-              <a:t>As mentioned earlier, being a workspace role member automatically grants you certain permissions to a dataset in that workspace. A workspace viewer can read the dataset, meaning they can see the data in a report and Q&amp;A question. </a:t>
+              <a:t>As mentioned earlier, being a workspace role member automatically grants you certain permissions to a semantic model in that workspace. A workspace viewer can read the semantic model, meaning they can see the data in a report and Q&amp;A question. </a:t>
             </a:r>
           </a:p>
           <a:p>
@@ -1414,7 +1414,7 @@
           <a:p>
             <a:r>
               <a:rPr lang="en-US" dirty="0"/>
-              <a:t>A contributor can build a report using the dataset and modify the dataset. </a:t>
+              <a:t>A contributor can build a report using the semantic model and modify the semantic model. </a:t>
             </a:r>
           </a:p>
           <a:p>
@@ -1423,7 +1423,7 @@
           <a:p>
             <a:r>
               <a:rPr lang="en-US" dirty="0"/>
-              <a:t>A member can do everything a contributor can do, plus reshare the dataset to give read access to other users. </a:t>
+              <a:t>A member can do everything a contributor can do, plus reshare the semantic model to give read access to other users. </a:t>
             </a:r>
           </a:p>
         </p:txBody>
@@ -1510,7 +1510,7 @@
           <a:p>
             <a:r>
               <a:rPr lang="en-US" dirty="0"/>
-              <a:t>Outside of workspace roles, there are other ways to gain access to a dataset. </a:t>
+              <a:t>Outside of workspace roles, there are other ways to gain access to a semantic model. </a:t>
             </a:r>
           </a:p>
           <a:p>
@@ -1519,7 +1519,7 @@
           <a:p>
             <a:r>
               <a:rPr lang="en-US" dirty="0"/>
-              <a:t>You can grant dataset permissions directly from the manage dataset permissions page. </a:t>
+              <a:t>You can grant semantic model permissions directly from the manage semantic model permissions page. </a:t>
             </a:r>
           </a:p>
           <a:p>
@@ -1528,7 +1528,7 @@
           <a:p>
             <a:r>
               <a:rPr lang="en-US" dirty="0"/>
-              <a:t>When you share a report, you can grant build and reshare permissions to the dataset in addition to read. </a:t>
+              <a:t>When you share a report, you can grant build and reshare permissions to the semantic model in addition to read. </a:t>
             </a:r>
           </a:p>
           <a:p>
@@ -1803,7 +1803,7 @@
                 <a:effectLst/>
                 <a:latin typeface="Segoe UI" panose="020B0502040204020203" pitchFamily="34" charset="0"/>
               </a:rPr>
-              <a:t>In Microsoft Fabric, Power BI datasets are a semantic model with metrics; a logical description of an analytical domain, with business friendly terminology and representation, to enable deeper analysis. Once you have a dataset, you can create a report that uses the dataset. </a:t>
+              <a:t>In Microsoft Fabric, Power BI semantic models are a semantic model with metrics; a logical description of an analytical domain, with business friendly terminology and representation, to enable deeper analysis. Once you have a semantic model, you can create a report that uses the semantic model. </a:t>
             </a:r>
           </a:p>
           <a:p>
@@ -1905,7 +1905,7 @@
           <a:p>
             <a:r>
               <a:rPr lang="en-US" dirty="0"/>
-              <a:t>There are many types of items available in the Power BI experience. We’ve discussed that Power BI datasets are</a:t>
+              <a:t>There are many types of items available in the Power BI experience. We’ve discussed that Power BI semantic models are</a:t>
             </a:r>
             <a:r>
               <a:rPr lang="en-US" b="0" i="0" dirty="0">
@@ -1951,7 +1951,7 @@
                 <a:effectLst/>
                 <a:latin typeface="Segoe UI" panose="020B0502040204020203" pitchFamily="34" charset="0"/>
               </a:rPr>
-              <a:t>. All of the visualizations in a report come from a single dataset. Reports can be created from scratch by you and your colleagues, and can be shared with you directly, in a workspace, or as part of an app.</a:t>
+              <a:t>. All of the visualizations in a report come from a single semantic model. Reports can be created from scratch by you and your colleagues, and can be shared with you directly, in a workspace, or as part of an app.</a:t>
             </a:r>
           </a:p>
           <a:p>
@@ -2008,7 +2008,7 @@
                 <a:effectLst/>
                 <a:latin typeface="Segoe UI" panose="020B0502040204020203" pitchFamily="34" charset="0"/>
               </a:rPr>
-              <a:t> that was created from a dataset and pinned to the dashboard. Entire report pages can also be pinned to a dashboard as a single tile. Dashboards are used to provide an at-a-glance view for decision makers with navigation into reports to get more details. </a:t>
+              <a:t> that was created from a semantic model and pinned to the dashboard. Entire report pages can also be pinned to a dashboard as a single tile. Dashboards are used to provide an at-a-glance view for decision makers with navigation into reports to get more details. </a:t>
             </a:r>
           </a:p>
           <a:p>
@@ -2105,7 +2105,7 @@
                 <a:effectLst/>
                 <a:latin typeface="Segoe UI" panose="020B0502040204020203" pitchFamily="34" charset="0"/>
               </a:rPr>
-              <a:t>Of the items listed here, datasets and Power BI reports are the item types used most often. </a:t>
+              <a:t>Of the items listed here, semantic models and Power BI reports are the item types used most often. </a:t>
             </a:r>
           </a:p>
           <a:p>
@@ -2244,7 +2244,7 @@
                 <a:effectLst/>
                 <a:latin typeface="Segoe UI" panose="020B0502040204020203" pitchFamily="34" charset="0"/>
               </a:rPr>
-              <a:t> between the different tables in the dataset, the rules for how data is aggregated and summarized, and the calculations or </a:t>
+              <a:t> between the different tables in the semantic model, the rules for how data is aggregated and summarized, and the calculations or </a:t>
             </a:r>
             <a:r>
               <a:rPr lang="en-US" b="0" i="1" dirty="0">
@@ -2264,7 +2264,7 @@
                 <a:effectLst/>
                 <a:latin typeface="Segoe UI" panose="020B0502040204020203" pitchFamily="34" charset="0"/>
               </a:rPr>
-              <a:t> that are used to derive insights from the data. These relationships and measures are included in the dataset, which is then used to create reports in Power BI.</a:t>
+              <a:t> that are used to derive insights from the data. These relationships and measures are included in the semantic model, which is then used to create reports in Power BI.</a:t>
             </a:r>
           </a:p>
           <a:p>
@@ -2285,7 +2285,7 @@
                 <a:effectLst/>
                 <a:latin typeface="Segoe UI" panose="020B0502040204020203" pitchFamily="34" charset="0"/>
               </a:rPr>
-              <a:t>Once you publish/save the dataset, it becomes searchable in the Data Hub and is added to a </a:t>
+              <a:t>Once you publish/save the semantic model, it becomes searchable in the Data Hub and is added to a </a:t>
             </a:r>
             <a:r>
               <a:rPr lang="en-US" b="0" i="0" dirty="0" err="1">
@@ -2326,7 +2326,7 @@
                 <a:effectLst/>
                 <a:latin typeface="Segoe UI" panose="020B0502040204020203" pitchFamily="34" charset="0"/>
               </a:rPr>
-              <a:t>There are several ways to grant permissions to read, write, build reports on, and share a dataset. We’ll discuss those in more detail in this module. </a:t>
+              <a:t>There are several ways to grant permissions to read, write, build reports on, and share a semantic model. We’ll discuss those in more detail in this module. </a:t>
             </a:r>
           </a:p>
           <a:p>
@@ -2347,7 +2347,7 @@
                 <a:effectLst/>
                 <a:latin typeface="Segoe UI" panose="020B0502040204020203" pitchFamily="34" charset="0"/>
               </a:rPr>
-              <a:t>A Power BI report must be connected to one (and only one) dataset. Other tools from Microsoft and third parties can also connect to a published dataset. </a:t>
+              <a:t>A Power BI report must be connected to one (and only one) semantic model. Other tools from Microsoft and third parties can also connect to a published semantic model. </a:t>
             </a:r>
             <a:endParaRPr lang="en-US" dirty="0"/>
           </a:p>
@@ -2441,7 +2441,7 @@
           <a:p>
             <a:r>
               <a:rPr lang="en-US" dirty="0"/>
-              <a:t>In, Fabric there are 3 main storage modes for a dataset. </a:t>
+              <a:t>In, Fabric there are 3 main storage modes for a semantic model. </a:t>
             </a:r>
           </a:p>
           <a:p>
@@ -2472,7 +2472,7 @@
                 <a:effectLst/>
                 <a:latin typeface="Segoe UI" panose="020B0502040204020203" pitchFamily="34" charset="0"/>
               </a:rPr>
-              <a:t>With import mode, performance can be better because the data is cached and optimized for business-intelligence queries without having to query the data source for each DAX query submitted by a report. However, the Power BI engine must first copy the data into the dataset during refresh. Any changes at the source are only picked up with the </a:t>
+              <a:t>With import mode, performance can be better because the data is cached and optimized for business-intelligence queries without having to query the data source for each DAX query submitted by a report. However, the Power BI engine must first copy the data into the semantic model during refresh. Any changes at the source are only picked up with the </a:t>
             </a:r>
             <a:r>
               <a:rPr lang="en-US" b="0" i="1" dirty="0">
@@ -2492,7 +2492,7 @@
                 <a:effectLst/>
                 <a:latin typeface="Segoe UI" panose="020B0502040204020203" pitchFamily="34" charset="0"/>
               </a:rPr>
-              <a:t> dataset refresh.</a:t>
+              <a:t> semantic model refresh.</a:t>
             </a:r>
             <a:br>
               <a:rPr lang="en-US" dirty="0"/>
@@ -2518,7 +2518,7 @@
                 <a:effectLst/>
                 <a:latin typeface="Segoe UI" panose="020B0502040204020203" pitchFamily="34" charset="0"/>
               </a:rPr>
-              <a:t> mode is a groundbreaking new dataset capability for analyzing very large data volumes in Power BI. Direct Lake is based on loading parquet-formatted files directly from a data lake without having to query a Lakehouse endpoint, and without having to import or duplicate data into a Power BI dataset. Unlike DirectQuery, there is no translation to other query languages or query execution on other database systems, yielding performance similar to import mode. Because there's no explicit import process, it's possible to pick up any changes at the data source as they occur, combining the advantages of both DirectQuery and import modes while avoiding their disadvantages. </a:t>
+              <a:t> mode is a groundbreaking new semantic model capability for analyzing very large data volumes in Power BI. Direct Lake is based on loading parquet-formatted files directly from a data lake without having to query a Lakehouse endpoint, and without having to import or duplicate data into a Power BI semantic model. Unlike DirectQuery, there is no translation to other query languages or query execution on other database systems, yielding performance similar to import mode. Because there's no explicit import process, it's possible to pick up any changes at the data source as they occur, combining the advantages of both DirectQuery and import modes while avoiding their disadvantages. </a:t>
             </a:r>
             <a:endParaRPr lang="en-US" dirty="0"/>
           </a:p>
@@ -2720,7 +2720,7 @@
           <a:p>
             <a:r>
               <a:rPr lang="en-US" dirty="0"/>
-              <a:t>As discussed previously, a default dataset is generated for lakehouses and warehouses. </a:t>
+              <a:t>As discussed previously, a default semantic model is generated for lakehouses and warehouses. </a:t>
             </a:r>
           </a:p>
           <a:p>
@@ -2753,7 +2753,7 @@
                 <a:effectLst/>
                 <a:latin typeface="Segoe UI" panose="020B0502040204020203" pitchFamily="34" charset="0"/>
               </a:rPr>
-              <a:t>, a default Power BI dataset is created with the SQL Endpoint. The default dataset is represented with the </a:t>
+              <a:t>, a default Power BI semantic model is created with the SQL Endpoint. The default semantic model is represented with the </a:t>
             </a:r>
             <a:r>
               <a:rPr lang="en-US" b="0" i="1" dirty="0">
@@ -2773,7 +2773,7 @@
                 <a:effectLst/>
                 <a:latin typeface="Segoe UI" panose="020B0502040204020203" pitchFamily="34" charset="0"/>
               </a:rPr>
-              <a:t> suffix. The default dataset is queried via the SQL Endpoint and updated via changes to the Lakehouse. You can also query the default dataset via </a:t>
+              <a:t> suffix. The default semantic model is queried via the SQL Endpoint and updated via changes to the Lakehouse. You can also query the default semantic model via </a:t>
             </a:r>
             <a:r>
               <a:rPr lang="en-US" b="0" i="0" u="none" strike="noStrike" dirty="0">
@@ -2821,7 +2821,7 @@
                 <a:effectLst/>
                 <a:latin typeface="Segoe UI" panose="020B0502040204020203" pitchFamily="34" charset="0"/>
               </a:rPr>
-              <a:t>By default, all tables and views in the Warehouse are automatically added to the default Power BI dataset. Users can also manually select tables or views from the Warehouse they want included in the model for more flexibility. Objects that are in the default Power BI dataset are created as a layout in the model view. While all constraints are translated to relationships, currently in Power BI, only one relationship can be active at a time, whereas multiple primary and foreign key constraints can be defined for warehouse entities. Automatic translation of constraints to relationships in the default Power BI dataset is only applicable for tables in the Warehouse in Microsoft Fabric, not currently supported in the SQL Endpoint.</a:t>
+              <a:t>By default, all tables and views in the Warehouse are automatically added to the default Power BI semantic model. Users can also manually select tables or views from the Warehouse they want included in the model for more flexibility. Objects that are in the default Power BI semantic model are created as a layout in the model view. While all constraints are translated to relationships, currently in Power BI, only one relationship can be active at a time, whereas multiple primary and foreign key constraints can be defined for warehouse entities. Automatic translation of constraints to relationships in the default Power BI semantic model is only applicable for tables in the Warehouse in Microsoft Fabric, not currently supported in the SQL Endpoint.</a:t>
             </a:r>
           </a:p>
           <a:p>
@@ -2842,7 +2842,7 @@
                 <a:effectLst/>
                 <a:latin typeface="Segoe UI" panose="020B0502040204020203" pitchFamily="34" charset="0"/>
               </a:rPr>
-              <a:t>While custom datasets can be created and modified in Power BI desktop, the default dataset must be managed using a web browser. </a:t>
+              <a:t>While custom semantic models can be created and modified in Power BI desktop, the default semantic model must be managed using a web browser. </a:t>
             </a:r>
             <a:endParaRPr lang="en-US" dirty="0"/>
           </a:p>
@@ -2930,7 +2930,7 @@
           <a:p>
             <a:r>
               <a:rPr lang="en-US" dirty="0"/>
-              <a:t>Let’s compare the default dataset to a custom dataset that you create. </a:t>
+              <a:t>Let’s compare the default semantic model to a custom semantic model that you create. </a:t>
             </a:r>
           </a:p>
           <a:p>
@@ -2945,7 +2945,7 @@
                 <a:effectLst/>
                 <a:latin typeface="Segoe UI" panose="020B0502040204020203" pitchFamily="34" charset="0"/>
               </a:rPr>
-              <a:t>With the default dataset, the dataset is created automatically for you, and the aforementioned business logic gets inherited from the parent lakehouse or Warehouse respectively, jump-starting the downstream analytics experience for business intelligence and analysis with an item in Microsoft Fabric that is managed, optimized, and kept in sync with no user intervention.</a:t>
+              <a:t>With the default semantic model, the semantic model is created automatically for you, and the aforementioned business logic gets inherited from the parent lakehouse or Warehouse respectively, jump-starting the downstream analytics experience for business intelligence and analysis with an item in Microsoft Fabric that is managed, optimized, and kept in sync with no user intervention.</a:t>
             </a:r>
           </a:p>
           <a:p>
@@ -2966,7 +2966,7 @@
                 <a:effectLst/>
                 <a:latin typeface="Segoe UI" panose="020B0502040204020203" pitchFamily="34" charset="0"/>
               </a:rPr>
-              <a:t>With lakehouse, sources that keeping in sync comes from Direct Lake. We’ll talk more about Direct Lake next, but the most important thing to understand is that it performs well and doesn’t require dataset refreshes. </a:t>
+              <a:t>With lakehouse, sources that keeping in sync comes from Direct Lake. We’ll talk more about Direct Lake next, but the most important thing to understand is that it performs well and doesn’t require semantic model refreshes. </a:t>
             </a:r>
           </a:p>
           <a:p>
@@ -2987,7 +2987,7 @@
                 <a:effectLst/>
                 <a:latin typeface="Segoe UI" panose="020B0502040204020203" pitchFamily="34" charset="0"/>
               </a:rPr>
-              <a:t>The default dataset may meet reporting needs when the data model is relatively simple. Sometimes we need more than this. </a:t>
+              <a:t>The default semantic model may meet reporting needs when the data model is relatively simple. Sometimes we need more than this. </a:t>
             </a:r>
           </a:p>
           <a:p>
@@ -3008,7 +3008,7 @@
                 <a:effectLst/>
                 <a:latin typeface="Segoe UI" panose="020B0502040204020203" pitchFamily="34" charset="0"/>
               </a:rPr>
-              <a:t>When you need to combine data from your lakehouse with other sources that can’t be referenced by a shortcut, you need to make a new dataset. If you prefer a more pro-dev experience using Power BI Desktop or 3</a:t>
+              <a:t>When you need to combine data from your lakehouse with other sources that can’t be referenced by a shortcut, you need to make a new semantic model. If you prefer a more pro-dev experience using Power BI Desktop or 3</a:t>
             </a:r>
             <a:r>
               <a:rPr lang="en-US" b="0" i="0" baseline="30000" dirty="0">
@@ -3028,7 +3028,7 @@
                 <a:effectLst/>
                 <a:latin typeface="Segoe UI" panose="020B0502040204020203" pitchFamily="34" charset="0"/>
               </a:rPr>
-              <a:t> party tools such as Tabular Editor, you will want to make a new dataset. If you need to change the storage mode of your dataset away from Direct Lake, you’ll need to create a new dataset. </a:t>
+              <a:t> party tools such as Tabular Editor, you will want to make a new semantic model. If you need to change the storage mode of your semantic model away from Direct Lake, you’ll need to create a new semantic model. </a:t>
             </a:r>
           </a:p>
           <a:p>
@@ -3150,7 +3150,7 @@
                 <a:effectLst/>
                 <a:latin typeface="Segoe UI" panose="020B0502040204020203" pitchFamily="34" charset="0"/>
               </a:rPr>
-              <a:t>We’ve established that Direct Lake mode eliminates the import requirement by loading the data directly from OneLake and does not need to translate queries to other languages. While Direct Lake is an exciting new feature, it’s important to evaluate whether it fits your use case. You must use the web experience to create a Direct Lake dataset. There can be only one data source, which is your lakehouse. And you cannot mix Direct Lake with other modes. </a:t>
+              <a:t>We’ve established that Direct Lake mode eliminates the import requirement by loading the data directly from OneLake and does not need to translate queries to other languages. While Direct Lake is an exciting new feature, it’s important to evaluate whether it fits your use case. You must use the web experience to create a Direct Lake semantic model. There can be only one data source, which is your lakehouse. And you cannot mix Direct Lake with other modes. </a:t>
             </a:r>
           </a:p>
           <a:p>
@@ -3205,7 +3205,7 @@
                 <a:effectLst/>
                 <a:latin typeface="Segoe UI" panose="020B0502040204020203" pitchFamily="34" charset="0"/>
               </a:rPr>
-              <a:t>You can’t create calculated tables and columns in a Direct Lake dataset, but that is largely ok because you can create those tables and columns directly in your lakehouse and then read them in Power BI. </a:t>
+              <a:t>You can’t create calculated tables and columns in a Direct Lake semantic model, but that is largely ok because you can create those tables and columns directly in your lakehouse and then read them in Power BI. </a:t>
             </a:r>
           </a:p>
           <a:p>
@@ -3260,7 +3260,7 @@
                 <a:effectLst/>
                 <a:latin typeface="Segoe UI" panose="020B0502040204020203" pitchFamily="34" charset="0"/>
               </a:rPr>
-              <a:t>While Direct Lake datasets do support XMLA read and write, Direct Lake datasets created or modified by using XMLA-based tools cannot be opened in the Web modelling feature.</a:t>
+              <a:t>While Direct Lake semantic models do support XMLA read and write, Direct Lake semantic models created or modified by using XMLA-based tools cannot be opened in the Web modelling feature.</a:t>
             </a:r>
           </a:p>
           <a:p>
@@ -3315,7 +3315,7 @@
                 <a:effectLst/>
                 <a:latin typeface="Segoe UI" panose="020B0502040204020203" pitchFamily="34" charset="0"/>
               </a:rPr>
-              <a:t>One important thing to note is that there is a dataset size limit for Direct Lake. If the limit is exceeded, queries executed by a report/client against the Direct Lake dataset will fall back to Direct Query mode. This can greatly impact query speed. </a:t>
+              <a:t>One important thing to note is that there is a semantic model size limit for Direct Lake. If the limit is exceeded, queries executed by a report/client against the Direct Lake semantic model will fall back to Direct Query mode. This can greatly impact query speed. </a:t>
             </a:r>
           </a:p>
           <a:p>
@@ -3324,7 +3324,7 @@
           <a:p>
             <a:r>
               <a:rPr lang="en-US" dirty="0"/>
-              <a:t>Another thing to note, that is likely a temporary limitation, is that RLS is not supported in Direct Lake datasets. </a:t>
+              <a:t>Another thing to note, that is likely a temporary limitation, is that RLS is not supported in Direct Lake semantic models. </a:t>
             </a:r>
           </a:p>
         </p:txBody>
@@ -10943,8 +10943,8 @@
         </p:nvSpPr>
         <p:spPr>
           <a:xfrm>
-            <a:off x="584200" y="1435100"/>
-            <a:ext cx="11018838" cy="4912114"/>
+            <a:off x="588263" y="1320800"/>
+            <a:ext cx="11497310" cy="5773888"/>
           </a:xfrm>
         </p:spPr>
         <p:txBody>
@@ -10953,7 +10953,7 @@
           <a:p>
             <a:r>
               <a:rPr lang="en-US" dirty="0"/>
-              <a:t>Power BI dataset reads directly from parquet files in OneLake without copying data</a:t>
+              <a:t>Power BI semantic model reads directly from parquet files in OneLake without copying data</a:t>
             </a:r>
           </a:p>
           <a:p>
@@ -10991,7 +10991,7 @@
                 </a:solidFill>
                 <a:latin typeface="Segoe UI" panose="020B0502040204020203" pitchFamily="34" charset="0"/>
               </a:rPr>
-              <a:t>Cannot be mixed with other storage modes in the same dataset</a:t>
+              <a:t>Cannot be mixed with other storage modes in the same semantic model</a:t>
             </a:r>
           </a:p>
           <a:p>
@@ -11025,7 +11025,7 @@
           <a:p>
             <a:r>
               <a:rPr lang="en-US" dirty="0"/>
-              <a:t>Queries that exceed dataset size limit fall back to DirectQuery mode</a:t>
+              <a:t>Queries that exceed semantic model size limit fall back to DirectQuery mode</a:t>
             </a:r>
           </a:p>
           <a:p>
@@ -11092,7 +11092,7 @@
           <a:p>
             <a:r>
               <a:rPr lang="en-US" dirty="0"/>
-              <a:t>Creating New Datasets</a:t>
+              <a:t>Creating New Semantic Models</a:t>
             </a:r>
           </a:p>
         </p:txBody>
@@ -11310,7 +11310,7 @@
         <p:spPr>
           <a:xfrm>
             <a:off x="584200" y="1435100"/>
-            <a:ext cx="5211763" cy="4395049"/>
+            <a:ext cx="5211763" cy="4825937"/>
           </a:xfrm>
         </p:spPr>
         <p:txBody>
@@ -11319,7 +11319,7 @@
           <a:p>
             <a:r>
               <a:rPr lang="en-US" dirty="0"/>
-              <a:t>Connected to a single dataset</a:t>
+              <a:t>Connected to a single semantic model</a:t>
             </a:r>
           </a:p>
           <a:p>
@@ -11542,51 +11542,34 @@
       </p:sp>
       <p:pic>
         <p:nvPicPr>
-          <p:cNvPr id="6146" name="Picture 2" descr="Screenshot of Grant access to a dashboard dialog.">
+          <p:cNvPr id="6" name="Content Placeholder 5">
             <a:extLst>
               <a:ext uri="{FF2B5EF4-FFF2-40B4-BE49-F238E27FC236}">
-                <a16:creationId xmlns:a16="http://schemas.microsoft.com/office/drawing/2014/main" id="{D3718C1A-C499-1C44-188A-84969B1C041A}"/>
+                <a16:creationId xmlns:a16="http://schemas.microsoft.com/office/drawing/2014/main" id="{BACFC21A-1072-E43D-C61A-F6C8AB1075CB}"/>
               </a:ext>
             </a:extLst>
           </p:cNvPr>
           <p:cNvPicPr>
-            <a:picLocks noGrp="1" noChangeAspect="1" noChangeArrowheads="1"/>
+            <a:picLocks noGrp="1" noChangeAspect="1"/>
           </p:cNvPicPr>
           <p:nvPr>
             <p:ph sz="quarter" idx="13"/>
           </p:nvPr>
         </p:nvPicPr>
         <p:blipFill>
-          <a:blip r:embed="rId2">
-            <a:extLst>
-              <a:ext uri="{28A0092B-C50C-407E-A947-70E740481C1C}">
-                <a14:useLocalDpi xmlns:a14="http://schemas.microsoft.com/office/drawing/2010/main" val="0"/>
-              </a:ext>
-            </a:extLst>
-          </a:blip>
-          <a:srcRect/>
+          <a:blip r:embed="rId2"/>
           <a:stretch>
             <a:fillRect/>
           </a:stretch>
         </p:blipFill>
-        <p:spPr bwMode="auto">
+        <p:spPr>
           <a:xfrm>
-            <a:off x="7394776" y="1642545"/>
-            <a:ext cx="3209524" cy="4419048"/>
+            <a:off x="7776835" y="1435100"/>
+            <a:ext cx="3030711" cy="3945642"/>
           </a:xfrm>
           <a:prstGeom prst="rect">
             <a:avLst/>
           </a:prstGeom>
-          <a:noFill/>
-          <a:extLst>
-            <a:ext uri="{909E8E84-426E-40DD-AFC4-6F175D3DCCD1}">
-              <a14:hiddenFill xmlns:a14="http://schemas.microsoft.com/office/drawing/2010/main">
-                <a:solidFill>
-                  <a:srgbClr val="FFFFFF"/>
-                </a:solidFill>
-              </a14:hiddenFill>
-            </a:ext>
-          </a:extLst>
         </p:spPr>
       </p:pic>
     </p:spTree>
@@ -11645,7 +11628,7 @@
           <a:p>
             <a:r>
               <a:rPr lang="en-US" dirty="0"/>
-              <a:t>Create a Report from an Existing Dataset</a:t>
+              <a:t>Create a Report from an Existing Semantic Model</a:t>
             </a:r>
           </a:p>
         </p:txBody>
@@ -11669,7 +11652,7 @@
         <p:spPr>
           <a:xfrm>
             <a:off x="584200" y="1435100"/>
-            <a:ext cx="5211763" cy="5687711"/>
+            <a:ext cx="6918287" cy="6549485"/>
           </a:xfrm>
         </p:spPr>
         <p:txBody>
@@ -11684,7 +11667,7 @@
           <a:p>
             <a:r>
               <a:rPr lang="en-US" dirty="0"/>
-              <a:t>Choose a dataset from the list of existing datasets</a:t>
+              <a:t>Choose a semantic model from the list of existing semantic models</a:t>
             </a:r>
           </a:p>
           <a:p>
@@ -11696,19 +11679,19 @@
           <a:p>
             <a:r>
               <a:rPr lang="en-US" dirty="0"/>
-              <a:t>Datasets can exist in another workspace</a:t>
+              <a:t>Semantic models can exist in another workspace</a:t>
             </a:r>
           </a:p>
           <a:p>
             <a:r>
               <a:rPr lang="en-US" dirty="0"/>
-              <a:t>Makes datasets more reusable</a:t>
+              <a:t>Makes semantic models more reusable</a:t>
             </a:r>
           </a:p>
           <a:p>
             <a:r>
               <a:rPr lang="en-US" dirty="0"/>
-              <a:t>Reduces duplication of logic across datasets</a:t>
+              <a:t>Reduces duplication of logic across semantic models</a:t>
             </a:r>
           </a:p>
           <a:p>
@@ -11718,19 +11701,17 @@
       </p:sp>
       <p:pic>
         <p:nvPicPr>
-          <p:cNvPr id="7" name="Content Placeholder 6">
+          <p:cNvPr id="8" name="Picture 7">
             <a:extLst>
               <a:ext uri="{FF2B5EF4-FFF2-40B4-BE49-F238E27FC236}">
-                <a16:creationId xmlns:a16="http://schemas.microsoft.com/office/drawing/2014/main" id="{B5022460-A2C9-DE02-6DE2-A368289F60DF}"/>
+                <a16:creationId xmlns:a16="http://schemas.microsoft.com/office/drawing/2014/main" id="{DAEFBE4A-A3FC-5D4E-2821-A1B4DC62B898}"/>
               </a:ext>
             </a:extLst>
           </p:cNvPr>
           <p:cNvPicPr>
-            <a:picLocks noGrp="1" noChangeAspect="1"/>
+            <a:picLocks noChangeAspect="1"/>
           </p:cNvPicPr>
-          <p:nvPr>
-            <p:ph sz="quarter" idx="13"/>
-          </p:nvPr>
+          <p:nvPr/>
         </p:nvPicPr>
         <p:blipFill>
           <a:blip r:embed="rId3"/>
@@ -11740,9 +11721,12 @@
         </p:blipFill>
         <p:spPr>
           <a:xfrm>
-            <a:off x="6389688" y="2340728"/>
-            <a:ext cx="5219700" cy="3022681"/>
+            <a:off x="8147003" y="2438314"/>
+            <a:ext cx="3459780" cy="1981372"/>
           </a:xfrm>
+          <a:prstGeom prst="rect">
+            <a:avLst/>
+          </a:prstGeom>
         </p:spPr>
       </p:pic>
     </p:spTree>
@@ -11801,7 +11785,7 @@
           <a:p>
             <a:r>
               <a:rPr lang="en-US" dirty="0"/>
-              <a:t>Secure Your Power BI Report and Dataset</a:t>
+              <a:t>Secure Your Power BI Report and Semantic Model</a:t>
             </a:r>
           </a:p>
         </p:txBody>
@@ -11840,7 +11824,7 @@
           <a:p>
             <a:r>
               <a:rPr lang="en-US" dirty="0"/>
-              <a:t>Dataset permissions</a:t>
+              <a:t>Semantic model permissions</a:t>
             </a:r>
           </a:p>
           <a:p>
@@ -11913,7 +11897,7 @@
           <a:p>
             <a:r>
               <a:rPr lang="en-US" dirty="0"/>
-              <a:t>Dataset Permissions from Workspace Roles</a:t>
+              <a:t>Semantic Model Permissions from Workspace Roles</a:t>
             </a:r>
           </a:p>
         </p:txBody>
@@ -12511,7 +12495,7 @@
           <a:p>
             <a:r>
               <a:rPr lang="en-US" dirty="0"/>
-              <a:t>Ways to Grant Dataset Permissions</a:t>
+              <a:t>Ways to Grant Semantic Model Permissions</a:t>
             </a:r>
           </a:p>
         </p:txBody>
@@ -12544,7 +12528,7 @@
           <a:p>
             <a:r>
               <a:rPr lang="en-US" dirty="0"/>
-              <a:t>Manage dataset permissions page</a:t>
+              <a:t>Manage semantic model permissions page</a:t>
             </a:r>
           </a:p>
           <a:p>
@@ -12569,51 +12553,32 @@
       </p:sp>
       <p:pic>
         <p:nvPicPr>
-          <p:cNvPr id="8196" name="Picture 4" descr="Screenshot of Advanced settings in Manage audience access pane.">
+          <p:cNvPr id="6" name="Picture 5">
             <a:extLst>
               <a:ext uri="{FF2B5EF4-FFF2-40B4-BE49-F238E27FC236}">
-                <a16:creationId xmlns:a16="http://schemas.microsoft.com/office/drawing/2014/main" id="{A51B0F9D-0ED1-D619-4812-A83CDAB89524}"/>
+                <a16:creationId xmlns:a16="http://schemas.microsoft.com/office/drawing/2014/main" id="{29B1AF78-CF41-9440-65A8-08806FC8AE6E}"/>
               </a:ext>
             </a:extLst>
           </p:cNvPr>
           <p:cNvPicPr>
-            <a:picLocks noGrp="1" noChangeAspect="1" noChangeArrowheads="1"/>
+            <a:picLocks noChangeAspect="1"/>
           </p:cNvPicPr>
-          <p:nvPr>
-            <p:ph sz="quarter" idx="13"/>
-          </p:nvPr>
+          <p:nvPr/>
         </p:nvPicPr>
         <p:blipFill>
-          <a:blip r:embed="rId3">
-            <a:extLst>
-              <a:ext uri="{28A0092B-C50C-407E-A947-70E740481C1C}">
-                <a14:useLocalDpi xmlns:a14="http://schemas.microsoft.com/office/drawing/2010/main" val="0"/>
-              </a:ext>
-            </a:extLst>
-          </a:blip>
-          <a:srcRect/>
+          <a:blip r:embed="rId3"/>
           <a:stretch>
             <a:fillRect/>
           </a:stretch>
         </p:blipFill>
-        <p:spPr bwMode="auto">
+        <p:spPr>
           <a:xfrm>
-            <a:off x="7882011" y="1435100"/>
-            <a:ext cx="3363634" cy="3771721"/>
+            <a:off x="7719267" y="1435100"/>
+            <a:ext cx="2560542" cy="4328535"/>
           </a:xfrm>
           <a:prstGeom prst="rect">
             <a:avLst/>
           </a:prstGeom>
-          <a:noFill/>
-          <a:extLst>
-            <a:ext uri="{909E8E84-426E-40DD-AFC4-6F175D3DCCD1}">
-              <a14:hiddenFill xmlns:a14="http://schemas.microsoft.com/office/drawing/2010/main">
-                <a:solidFill>
-                  <a:srgbClr val="FFFFFF"/>
-                </a:solidFill>
-              </a14:hiddenFill>
-            </a:ext>
-          </a:extLst>
         </p:spPr>
       </p:pic>
     </p:spTree>
@@ -12705,43 +12670,38 @@
           <a:p>
             <a:r>
               <a:rPr lang="en-US" dirty="0"/>
-              <a:t>Two important Power BI items are the dataset and report.</a:t>
+              <a:t>Two important Power BI items are the semantic model and report.</a:t>
             </a:r>
           </a:p>
           <a:p>
             <a:r>
               <a:rPr lang="en-US" dirty="0"/>
-              <a:t>Tables in a dataset can have imported, Direct Query, or Direct Lake storage mode</a:t>
+              <a:t>Tables in a semantic model can have imported, Direct Query, or Direct Lake storage mode</a:t>
             </a:r>
           </a:p>
           <a:p>
             <a:r>
               <a:rPr lang="en-US" dirty="0"/>
-              <a:t>All datasets have measures, while some have calculated columns and tables</a:t>
+              <a:t>All semantic models have measures, while some have calculated columns and tables</a:t>
             </a:r>
           </a:p>
           <a:p>
             <a:r>
               <a:rPr lang="en-US" dirty="0"/>
-              <a:t>You can use the default dataset created for your lakehouse or warehouse, or create your own custom dataset</a:t>
+              <a:t>You can use the default semantic model created for your lakehouse or warehouse, or create your own custom semantic model</a:t>
             </a:r>
           </a:p>
           <a:p>
             <a:r>
               <a:rPr lang="en-US" dirty="0"/>
-              <a:t>Power BI reports connect to only one dataset</a:t>
+              <a:t>Power BI reports connect to only one semantic model</a:t>
             </a:r>
           </a:p>
           <a:p>
             <a:r>
               <a:rPr lang="en-US" dirty="0"/>
-              <a:t>It’s important to secure your dataset, paying attention to both role membership and </a:t>
-            </a:r>
-            <a:r>
-              <a:rPr lang="en-US"/>
-              <a:t>direct permissions</a:t>
-            </a:r>
-            <a:endParaRPr lang="en-US" dirty="0"/>
+              <a:t>It’s important to secure your semantic model, paying attention to both role membership and direct permissions</a:t>
+            </a:r>
           </a:p>
           <a:p>
             <a:endParaRPr lang="en-US" dirty="0"/>
@@ -14954,7 +14914,7 @@
         </p:blipFill>
         <p:spPr>
           <a:xfrm>
-            <a:off x="3645377" y="2676033"/>
+            <a:off x="3742057" y="2890753"/>
             <a:ext cx="532014" cy="548640"/>
           </a:xfrm>
           <a:prstGeom prst="rect">
@@ -15067,9 +15027,9 @@
           <p:nvPr/>
         </p:nvCxnSpPr>
         <p:spPr>
-          <a:xfrm flipH="1">
-            <a:off x="1893856" y="2950353"/>
-            <a:ext cx="1751521" cy="168982"/>
+          <a:xfrm flipH="1" flipV="1">
+            <a:off x="1893856" y="3119335"/>
+            <a:ext cx="1848201" cy="45738"/>
           </a:xfrm>
           <a:prstGeom prst="line">
             <a:avLst/>
@@ -15212,7 +15172,7 @@
         <p:spPr>
           <a:xfrm>
             <a:off x="1199847" y="1651227"/>
-            <a:ext cx="1745671" cy="307777"/>
+            <a:ext cx="2725105" cy="307777"/>
           </a:xfrm>
           <a:prstGeom prst="rect">
             <a:avLst/>
@@ -15232,7 +15192,7 @@
                   <a:schemeClr val="bg1"/>
                 </a:solidFill>
               </a:rPr>
-              <a:t>Default Dataset</a:t>
+              <a:t>Default Semantic Model</a:t>
             </a:r>
           </a:p>
         </p:txBody>
@@ -15252,7 +15212,7 @@
         <p:spPr>
           <a:xfrm>
             <a:off x="1193894" y="2624902"/>
-            <a:ext cx="1796582" cy="307777"/>
+            <a:ext cx="2776016" cy="307777"/>
           </a:xfrm>
           <a:prstGeom prst="rect">
             <a:avLst/>
@@ -15272,7 +15232,7 @@
                   <a:schemeClr val="bg1"/>
                 </a:solidFill>
               </a:rPr>
-              <a:t>Custom Dataset</a:t>
+              <a:t>Custom Semantic Model</a:t>
             </a:r>
           </a:p>
         </p:txBody>
@@ -15331,7 +15291,7 @@
         </p:nvSpPr>
         <p:spPr>
           <a:xfrm>
-            <a:off x="4179641" y="2809837"/>
+            <a:off x="4236996" y="3004319"/>
             <a:ext cx="2512142" cy="307777"/>
           </a:xfrm>
           <a:prstGeom prst="rect">
@@ -15659,8 +15619,8 @@
         </p:nvCxnSpPr>
         <p:spPr>
           <a:xfrm flipH="1" flipV="1">
-            <a:off x="6179574" y="2967000"/>
-            <a:ext cx="1095258" cy="462000"/>
+            <a:off x="6260639" y="3180712"/>
+            <a:ext cx="1014193" cy="248288"/>
           </a:xfrm>
           <a:prstGeom prst="line">
             <a:avLst/>
@@ -15795,7 +15755,7 @@
           <a:p>
             <a:r>
               <a:rPr lang="en-US" dirty="0"/>
-              <a:t>Power BI Datasets</a:t>
+              <a:t>Power BI Semantic Models</a:t>
             </a:r>
           </a:p>
         </p:txBody>
@@ -15865,7 +15825,7 @@
           <a:p>
             <a:r>
               <a:rPr lang="en-US" dirty="0"/>
-              <a:t>Power BI Datasets</a:t>
+              <a:t>Power BI Semantic Models</a:t>
             </a:r>
           </a:p>
         </p:txBody>
@@ -16139,7 +16099,7 @@
         <p:spPr>
           <a:xfrm>
             <a:off x="584200" y="1435100"/>
-            <a:ext cx="11018838" cy="1982081"/>
+            <a:ext cx="11018838" cy="2412968"/>
           </a:xfrm>
         </p:spPr>
         <p:txBody>
@@ -16162,7 +16122,7 @@
           <a:p>
             <a:r>
               <a:rPr lang="en-US" dirty="0"/>
-              <a:t>Summarize data in a dataset to return a single value</a:t>
+              <a:t>Summarize data in a semantic model to return a single value</a:t>
             </a:r>
           </a:p>
           <a:p>
@@ -16174,7 +16134,7 @@
           <a:p>
             <a:r>
               <a:rPr lang="en-US" dirty="0"/>
-              <a:t>May reference tables, columns, other measures in the dataset</a:t>
+              <a:t>May reference tables, columns, other measures in the semantic model</a:t>
             </a:r>
           </a:p>
         </p:txBody>
@@ -16265,7 +16225,7 @@
           <a:p>
             <a:r>
               <a:rPr lang="en-US" dirty="0"/>
-              <a:t>Default Datasets</a:t>
+              <a:t>Default Semantic Models</a:t>
             </a:r>
           </a:p>
         </p:txBody>
@@ -16418,7 +16378,7 @@
           <a:p>
             <a:r>
               <a:rPr lang="en-US" dirty="0"/>
-              <a:t>Default vs New Dataset</a:t>
+              <a:t>Default vs New Semantic Model</a:t>
             </a:r>
           </a:p>
         </p:txBody>
@@ -17134,12 +17094,6 @@
 </file>
 
 <file path=customXml/item1.xml><?xml version="1.0" encoding="utf-8"?>
-<p:properties xmlns:p="http://schemas.microsoft.com/office/2006/metadata/properties" xmlns:xsi="http://www.w3.org/2001/XMLSchema-instance" xmlns:pc="http://schemas.microsoft.com/office/infopath/2007/PartnerControls">
-  <documentManagement/>
-</p:properties>
-</file>
-
-<file path=customXml/item2.xml><?xml version="1.0" encoding="utf-8"?>
 <ct:contentTypeSchema xmlns:ct="http://schemas.microsoft.com/office/2006/metadata/contentType" xmlns:ma="http://schemas.microsoft.com/office/2006/metadata/properties/metaAttributes" ct:_="" ma:_="" ma:contentTypeName="Document" ma:contentTypeID="0x010100B8CFE09A3088BA4C8DAD689BB01679B8" ma:contentTypeVersion="10" ma:contentTypeDescription="Create a new document." ma:contentTypeScope="" ma:versionID="76f34acd9020c8ce1aab729b67fd078e">
   <xsd:schema xmlns:xsd="http://www.w3.org/2001/XMLSchema" xmlns:xs="http://www.w3.org/2001/XMLSchema" xmlns:p="http://schemas.microsoft.com/office/2006/metadata/properties" xmlns:ns2="30241bb1-3633-4696-a205-62244f9c1dd7" targetNamespace="http://schemas.microsoft.com/office/2006/metadata/properties" ma:root="true" ma:fieldsID="a37d36f2a6ec64e42d083cbe14a0e6d2" ns2:_="">
     <xsd:import namespace="30241bb1-3633-4696-a205-62244f9c1dd7"/>
@@ -17323,6 +17277,12 @@
 </ct:contentTypeSchema>
 </file>
 
+<file path=customXml/item2.xml><?xml version="1.0" encoding="utf-8"?>
+<p:properties xmlns:p="http://schemas.microsoft.com/office/2006/metadata/properties" xmlns:xsi="http://www.w3.org/2001/XMLSchema-instance" xmlns:pc="http://schemas.microsoft.com/office/infopath/2007/PartnerControls">
+  <documentManagement/>
+</p:properties>
+</file>
+
 <file path=customXml/item3.xml><?xml version="1.0" encoding="utf-8"?>
 <?mso-contentType ?>
 <FormTemplates xmlns="http://schemas.microsoft.com/sharepoint/v3/contenttype/forms">
@@ -17333,17 +17293,6 @@
 </file>
 
 <file path=customXml/itemProps1.xml><?xml version="1.0" encoding="utf-8"?>
-<ds:datastoreItem xmlns:ds="http://schemas.openxmlformats.org/officeDocument/2006/customXml" ds:itemID="{EDCB3B52-9508-4A63-AFCC-05E7630C15CA}">
-  <ds:schemaRefs>
-    <ds:schemaRef ds:uri="http://schemas.microsoft.com/office/2006/metadata/properties"/>
-    <ds:schemaRef ds:uri="http://schemas.microsoft.com/office/infopath/2007/PartnerControls"/>
-    <ds:schemaRef ds:uri="ec9ab3cf-5ffc-4e23-9951-e59f1d4d2772"/>
-    <ds:schemaRef ds:uri="df7f103e-597c-493b-bc31-914106b908e0"/>
-  </ds:schemaRefs>
-</ds:datastoreItem>
-</file>
-
-<file path=customXml/itemProps2.xml><?xml version="1.0" encoding="utf-8"?>
 <ds:datastoreItem xmlns:ds="http://schemas.openxmlformats.org/officeDocument/2006/customXml" ds:itemID="{AF20741D-78F3-4821-9C83-E184F789D278}">
   <ds:schemaRefs>
     <ds:schemaRef ds:uri="http://schemas.microsoft.com/office/2006/metadata/contentType"/>
@@ -17361,6 +17310,17 @@
 </ds:datastoreItem>
 </file>
 
+<file path=customXml/itemProps2.xml><?xml version="1.0" encoding="utf-8"?>
+<ds:datastoreItem xmlns:ds="http://schemas.openxmlformats.org/officeDocument/2006/customXml" ds:itemID="{EDCB3B52-9508-4A63-AFCC-05E7630C15CA}">
+  <ds:schemaRefs>
+    <ds:schemaRef ds:uri="http://schemas.microsoft.com/office/2006/metadata/properties"/>
+    <ds:schemaRef ds:uri="http://schemas.microsoft.com/office/infopath/2007/PartnerControls"/>
+    <ds:schemaRef ds:uri="ec9ab3cf-5ffc-4e23-9951-e59f1d4d2772"/>
+    <ds:schemaRef ds:uri="df7f103e-597c-493b-bc31-914106b908e0"/>
+  </ds:schemaRefs>
+</ds:datastoreItem>
+</file>
+
 <file path=customXml/itemProps3.xml><?xml version="1.0" encoding="utf-8"?>
 <ds:datastoreItem xmlns:ds="http://schemas.openxmlformats.org/officeDocument/2006/customXml" ds:itemID="{08B55F93-F793-45E6-8EF9-B02CA25D11D4}">
   <ds:schemaRefs>
